--- a/odm-tools.pptx
+++ b/odm-tools.pptx
@@ -105,6 +105,11 @@
       </a:defRPr>
     </a:lvl9pPr>
   </p:defaultTextStyle>
+  <p:extLst>
+    <p:ext uri="{EFAFB233-063F-42B5-8137-9DF3F51BA10A}">
+      <p15:sldGuideLst xmlns:p15="http://schemas.microsoft.com/office/powerpoint/2012/main"/>
+    </p:ext>
+  </p:extLst>
 </p:presentation>
 </file>
 
@@ -239,7 +244,7 @@
           <a:p>
             <a:fld id="{7B5B6C67-F24C-AD41-A4A8-FEA0E677C062}" type="datetimeFigureOut">
               <a:rPr lang="en-US" smtClean="0"/>
-              <a:t>5/13/19</a:t>
+              <a:t>5/15/19</a:t>
             </a:fld>
             <a:endParaRPr lang="en-US"/>
           </a:p>
@@ -404,7 +409,7 @@
           <a:p>
             <a:fld id="{7B5B6C67-F24C-AD41-A4A8-FEA0E677C062}" type="datetimeFigureOut">
               <a:rPr lang="en-US" smtClean="0"/>
-              <a:t>5/13/19</a:t>
+              <a:t>5/15/19</a:t>
             </a:fld>
             <a:endParaRPr lang="en-US"/>
           </a:p>
@@ -579,7 +584,7 @@
           <a:p>
             <a:fld id="{7B5B6C67-F24C-AD41-A4A8-FEA0E677C062}" type="datetimeFigureOut">
               <a:rPr lang="en-US" smtClean="0"/>
-              <a:t>5/13/19</a:t>
+              <a:t>5/15/19</a:t>
             </a:fld>
             <a:endParaRPr lang="en-US"/>
           </a:p>
@@ -744,7 +749,7 @@
           <a:p>
             <a:fld id="{7B5B6C67-F24C-AD41-A4A8-FEA0E677C062}" type="datetimeFigureOut">
               <a:rPr lang="en-US" smtClean="0"/>
-              <a:t>5/13/19</a:t>
+              <a:t>5/15/19</a:t>
             </a:fld>
             <a:endParaRPr lang="en-US"/>
           </a:p>
@@ -983,7 +988,7 @@
           <a:p>
             <a:fld id="{7B5B6C67-F24C-AD41-A4A8-FEA0E677C062}" type="datetimeFigureOut">
               <a:rPr lang="en-US" smtClean="0"/>
-              <a:t>5/13/19</a:t>
+              <a:t>5/15/19</a:t>
             </a:fld>
             <a:endParaRPr lang="en-US"/>
           </a:p>
@@ -1210,7 +1215,7 @@
           <a:p>
             <a:fld id="{7B5B6C67-F24C-AD41-A4A8-FEA0E677C062}" type="datetimeFigureOut">
               <a:rPr lang="en-US" smtClean="0"/>
-              <a:t>5/13/19</a:t>
+              <a:t>5/15/19</a:t>
             </a:fld>
             <a:endParaRPr lang="en-US"/>
           </a:p>
@@ -1572,7 +1577,7 @@
           <a:p>
             <a:fld id="{7B5B6C67-F24C-AD41-A4A8-FEA0E677C062}" type="datetimeFigureOut">
               <a:rPr lang="en-US" smtClean="0"/>
-              <a:t>5/13/19</a:t>
+              <a:t>5/15/19</a:t>
             </a:fld>
             <a:endParaRPr lang="en-US"/>
           </a:p>
@@ -1685,7 +1690,7 @@
           <a:p>
             <a:fld id="{7B5B6C67-F24C-AD41-A4A8-FEA0E677C062}" type="datetimeFigureOut">
               <a:rPr lang="en-US" smtClean="0"/>
-              <a:t>5/13/19</a:t>
+              <a:t>5/15/19</a:t>
             </a:fld>
             <a:endParaRPr lang="en-US"/>
           </a:p>
@@ -1775,7 +1780,7 @@
           <a:p>
             <a:fld id="{7B5B6C67-F24C-AD41-A4A8-FEA0E677C062}" type="datetimeFigureOut">
               <a:rPr lang="en-US" smtClean="0"/>
-              <a:t>5/13/19</a:t>
+              <a:t>5/15/19</a:t>
             </a:fld>
             <a:endParaRPr lang="en-US"/>
           </a:p>
@@ -2047,7 +2052,7 @@
           <a:p>
             <a:fld id="{7B5B6C67-F24C-AD41-A4A8-FEA0E677C062}" type="datetimeFigureOut">
               <a:rPr lang="en-US" smtClean="0"/>
-              <a:t>5/13/19</a:t>
+              <a:t>5/15/19</a:t>
             </a:fld>
             <a:endParaRPr lang="en-US"/>
           </a:p>
@@ -2299,7 +2304,7 @@
           <a:p>
             <a:fld id="{7B5B6C67-F24C-AD41-A4A8-FEA0E677C062}" type="datetimeFigureOut">
               <a:rPr lang="en-US" smtClean="0"/>
-              <a:t>5/13/19</a:t>
+              <a:t>5/15/19</a:t>
             </a:fld>
             <a:endParaRPr lang="en-US"/>
           </a:p>
@@ -2507,7 +2512,7 @@
           <a:p>
             <a:fld id="{7B5B6C67-F24C-AD41-A4A8-FEA0E677C062}" type="datetimeFigureOut">
               <a:rPr lang="en-US" smtClean="0"/>
-              <a:t>5/13/19</a:t>
+              <a:t>5/15/19</a:t>
             </a:fld>
             <a:endParaRPr lang="en-US"/>
           </a:p>
@@ -3087,8 +3092,24 @@
               <a:t>WoT</a:t>
             </a:r>
             <a:r>
-              <a:rPr lang="en-US" dirty="0"/>
-              <a:t>)</a:t>
+              <a:rPr lang="en-US" dirty="0" smtClean="0"/>
+              <a:t>, </a:t>
+            </a:r>
+            <a:r>
+              <a:rPr lang="en-US" dirty="0" err="1" smtClean="0"/>
+              <a:t>schema.org</a:t>
+            </a:r>
+            <a:r>
+              <a:rPr lang="en-US" dirty="0" smtClean="0"/>
+              <a:t> </a:t>
+            </a:r>
+            <a:r>
+              <a:rPr lang="en-US" dirty="0" err="1" smtClean="0"/>
+              <a:t>IoT</a:t>
+            </a:r>
+            <a:r>
+              <a:rPr lang="en-US" dirty="0" smtClean="0"/>
+              <a:t> extension)</a:t>
             </a:r>
             <a:endParaRPr lang="en-US" dirty="0" smtClean="0"/>
           </a:p>
